--- a/SE499/Lectures/7/Deployment.pptx
+++ b/SE499/Lectures/7/Deployment.pptx
@@ -5,7 +5,7 @@
     <p:sldMasterId id="2147483648" r:id="rId1"/>
   </p:sldMasterIdLst>
   <p:notesMasterIdLst>
-    <p:notesMasterId r:id="rId16"/>
+    <p:notesMasterId r:id="rId18"/>
   </p:notesMasterIdLst>
   <p:sldIdLst>
     <p:sldId id="256" r:id="rId2"/>
@@ -20,8 +20,10 @@
     <p:sldId id="815" r:id="rId11"/>
     <p:sldId id="817" r:id="rId12"/>
     <p:sldId id="818" r:id="rId13"/>
-    <p:sldId id="819" r:id="rId14"/>
-    <p:sldId id="820" r:id="rId15"/>
+    <p:sldId id="824" r:id="rId14"/>
+    <p:sldId id="822" r:id="rId15"/>
+    <p:sldId id="819" r:id="rId16"/>
+    <p:sldId id="820" r:id="rId17"/>
   </p:sldIdLst>
   <p:sldSz cx="12192000" cy="6858000"/>
   <p:notesSz cx="6858000" cy="9144000"/>
@@ -239,7 +241,7 @@
           <a:p>
             <a:fld id="{41DA9887-9249-49FD-809A-BACB264048C3}" type="datetimeFigureOut">
               <a:rPr lang="en-US" smtClean="0"/>
-              <a:t>9/10/2023</a:t>
+              <a:t>9/12/2023</a:t>
             </a:fld>
             <a:endParaRPr lang="en-US"/>
           </a:p>
@@ -641,7 +643,7 @@
           <a:p>
             <a:fld id="{EF213E56-3C1A-435A-851B-5B1F221C2038}" type="datetime1">
               <a:rPr lang="en-US" smtClean="0"/>
-              <a:t>9/10/2023</a:t>
+              <a:t>9/12/2023</a:t>
             </a:fld>
             <a:endParaRPr lang="en-US"/>
           </a:p>
@@ -920,7 +922,7 @@
           <a:p>
             <a:fld id="{B4696837-4851-4AA6-8AED-554226C981D1}" type="datetime1">
               <a:rPr lang="en-US" smtClean="0"/>
-              <a:t>9/10/2023</a:t>
+              <a:t>9/12/2023</a:t>
             </a:fld>
             <a:endParaRPr lang="en-US"/>
           </a:p>
@@ -1098,7 +1100,7 @@
           <a:p>
             <a:fld id="{BADD32E1-BB70-4827-BA33-FF5AFC435BE9}" type="datetime1">
               <a:rPr lang="en-US" smtClean="0"/>
-              <a:t>9/10/2023</a:t>
+              <a:t>9/12/2023</a:t>
             </a:fld>
             <a:endParaRPr lang="en-US"/>
           </a:p>
@@ -1344,7 +1346,7 @@
             </a:pPr>
             <a:fld id="{40B9EAF6-54F2-4DF5-9C6B-3F6F95B86356}" type="datetime1">
               <a:rPr lang="en-US" smtClean="0"/>
-              <a:t>9/10/2023</a:t>
+              <a:t>9/12/2023</a:t>
             </a:fld>
             <a:endParaRPr lang="en-US"/>
           </a:p>
@@ -1525,7 +1527,7 @@
             </a:pPr>
             <a:fld id="{D3D64A56-6FF4-479A-8655-719A18A98C4B}" type="datetime1">
               <a:rPr lang="en-US" smtClean="0"/>
-              <a:t>9/10/2023</a:t>
+              <a:t>9/12/2023</a:t>
             </a:fld>
             <a:endParaRPr lang="en-US"/>
           </a:p>
@@ -1803,7 +1805,7 @@
           <a:p>
             <a:fld id="{BB961044-FC46-4CBC-9061-59528F4899F3}" type="datetime1">
               <a:rPr lang="en-US" smtClean="0"/>
-              <a:t>9/10/2023</a:t>
+              <a:t>9/12/2023</a:t>
             </a:fld>
             <a:endParaRPr lang="en-US"/>
           </a:p>
@@ -2147,7 +2149,7 @@
           <a:p>
             <a:fld id="{4466A08C-77F3-471E-A5C4-1D2068144BAC}" type="datetime1">
               <a:rPr lang="en-US" smtClean="0"/>
-              <a:t>9/10/2023</a:t>
+              <a:t>9/12/2023</a:t>
             </a:fld>
             <a:endParaRPr lang="en-US"/>
           </a:p>
@@ -2376,7 +2378,7 @@
           <a:p>
             <a:fld id="{B90A7AD1-16F4-44C3-AE32-24C59A599E9D}" type="datetime1">
               <a:rPr lang="en-US" smtClean="0"/>
-              <a:t>9/10/2023</a:t>
+              <a:t>9/12/2023</a:t>
             </a:fld>
             <a:endParaRPr lang="en-US"/>
           </a:p>
@@ -2740,7 +2742,7 @@
           <a:p>
             <a:fld id="{B583DB4F-4316-4DF5-A229-BC1D787C82A0}" type="datetime1">
               <a:rPr lang="en-US" smtClean="0"/>
-              <a:t>9/10/2023</a:t>
+              <a:t>9/12/2023</a:t>
             </a:fld>
             <a:endParaRPr lang="en-US"/>
           </a:p>
@@ -2835,7 +2837,7 @@
           <a:p>
             <a:fld id="{AE6064B7-7A9F-432D-B7B9-6824267AA574}" type="datetime1">
               <a:rPr lang="en-US" smtClean="0"/>
-              <a:t>9/10/2023</a:t>
+              <a:t>9/12/2023</a:t>
             </a:fld>
             <a:endParaRPr lang="en-US"/>
           </a:p>
@@ -3057,7 +3059,7 @@
             <a:fld id="{B2F5E2FA-C428-4CE7-95B0-168D3259A5BB}" type="datetimeFigureOut">
               <a:rPr lang="en-US" smtClean="0"/>
               <a:pPr/>
-              <a:t>9/10/2023</a:t>
+              <a:t>9/12/2023</a:t>
             </a:fld>
             <a:endParaRPr lang="en-US"/>
           </a:p>
@@ -3228,7 +3230,7 @@
           <a:p>
             <a:fld id="{4E1C93A2-B712-486A-8AB5-D41B95D547BE}" type="datetime1">
               <a:rPr lang="en-US" smtClean="0"/>
-              <a:t>9/10/2023</a:t>
+              <a:t>9/12/2023</a:t>
             </a:fld>
             <a:endParaRPr lang="en-US"/>
           </a:p>
@@ -3503,7 +3505,7 @@
           <a:p>
             <a:fld id="{CAB2F318-F19F-4608-B7EF-F7FB8A482213}" type="datetime1">
               <a:rPr lang="en-US" smtClean="0"/>
-              <a:t>9/10/2023</a:t>
+              <a:t>9/12/2023</a:t>
             </a:fld>
             <a:endParaRPr lang="en-US"/>
           </a:p>
@@ -3755,7 +3757,7 @@
           <a:p>
             <a:fld id="{BB9CEF8C-69D6-4C3E-B892-F682F307A7B6}" type="datetime1">
               <a:rPr lang="en-US" smtClean="0"/>
-              <a:t>9/10/2023</a:t>
+              <a:t>9/12/2023</a:t>
             </a:fld>
             <a:endParaRPr lang="en-US"/>
           </a:p>
@@ -3966,7 +3968,7 @@
           <a:p>
             <a:fld id="{FB737C73-4A31-4C17-AFB7-7B8470027787}" type="datetime1">
               <a:rPr lang="en-US" smtClean="0"/>
-              <a:t>9/10/2023</a:t>
+              <a:t>9/12/2023</a:t>
             </a:fld>
             <a:endParaRPr lang="en-US"/>
           </a:p>
@@ -4405,7 +4407,6 @@
               <a:rPr lang="en-US" dirty="0"/>
               <a:t>Deployment</a:t>
             </a:r>
-            <a:endParaRPr lang="en-US" dirty="0"/>
           </a:p>
         </p:txBody>
       </p:sp>
@@ -4816,6 +4817,12 @@
           <a:lstStyle/>
           <a:p>
             <a:r>
+              <a:rPr lang="en-US" dirty="0"/>
+              <a:t>Docker</a:t>
+            </a:r>
+          </a:p>
+          <a:p>
+            <a:r>
               <a:rPr lang="en-US" dirty="0" smtClean="0"/>
               <a:t>Kubernetes</a:t>
             </a:r>
@@ -4823,13 +4830,7 @@
           </a:p>
           <a:p>
             <a:r>
-              <a:rPr lang="en-US" dirty="0"/>
-              <a:t>Docker</a:t>
-            </a:r>
-          </a:p>
-          <a:p>
-            <a:r>
-              <a:rPr lang="en-US" dirty="0" err="1"/>
+              <a:rPr lang="en-US" dirty="0" err="1" smtClean="0"/>
               <a:t>Ansible</a:t>
             </a:r>
             <a:endParaRPr lang="en-US" dirty="0"/>
@@ -4898,28 +4899,6 @@
       </p:grpSpPr>
       <p:sp>
         <p:nvSpPr>
-          <p:cNvPr id="2" name="Title 1"/>
-          <p:cNvSpPr>
-            <a:spLocks noGrp="1"/>
-          </p:cNvSpPr>
-          <p:nvPr>
-            <p:ph type="title"/>
-          </p:nvPr>
-        </p:nvSpPr>
-        <p:spPr/>
-        <p:txBody>
-          <a:bodyPr/>
-          <a:lstStyle/>
-          <a:p>
-            <a:r>
-              <a:rPr lang="en-US" dirty="0"/>
-              <a:t>Digital Ocean: A Cloud Provider for Students</a:t>
-            </a:r>
-          </a:p>
-        </p:txBody>
-      </p:sp>
-      <p:sp>
-        <p:nvSpPr>
           <p:cNvPr id="3" name="Content Placeholder 2"/>
           <p:cNvSpPr>
             <a:spLocks noGrp="1"/>
@@ -4928,64 +4907,65 @@
             <p:ph idx="1"/>
           </p:nvPr>
         </p:nvSpPr>
-        <p:spPr/>
-        <p:txBody>
-          <a:bodyPr/>
-          <a:lstStyle/>
-          <a:p>
-            <a:r>
-              <a:rPr lang="en-US" dirty="0"/>
-              <a:t>Why Digital Ocean is a great option for student projects and </a:t>
-            </a:r>
-            <a:r>
-              <a:rPr lang="en-US" dirty="0" smtClean="0"/>
-              <a:t>deployments:</a:t>
-            </a:r>
-          </a:p>
-          <a:p>
-            <a:pPr lvl="1"/>
-            <a:r>
-              <a:rPr lang="en-US" dirty="0"/>
-              <a:t>Affordable pricing</a:t>
-            </a:r>
-          </a:p>
-          <a:p>
-            <a:pPr lvl="1"/>
-            <a:r>
-              <a:rPr lang="en-US" dirty="0"/>
-              <a:t>Easy to use and manage</a:t>
-            </a:r>
-          </a:p>
-          <a:p>
-            <a:pPr lvl="1"/>
-            <a:r>
-              <a:rPr lang="en-US" dirty="0"/>
-              <a:t>Scalable resources</a:t>
-            </a:r>
-          </a:p>
-          <a:p>
-            <a:pPr lvl="1"/>
-            <a:r>
-              <a:rPr lang="en-US" dirty="0"/>
-              <a:t>High-performance </a:t>
-            </a:r>
-            <a:r>
-              <a:rPr lang="en-US" dirty="0" smtClean="0"/>
-              <a:t>infrastructure</a:t>
-            </a:r>
-          </a:p>
-          <a:p>
-            <a:pPr lvl="1"/>
-            <a:r>
-              <a:rPr lang="en-US" dirty="0"/>
-              <a:t>Seamless integration with GitHub for automated deployments</a:t>
-            </a:r>
-          </a:p>
-          <a:p>
-            <a:pPr lvl="1"/>
-            <a:r>
-              <a:rPr lang="en-US" dirty="0"/>
-              <a:t>Easy setup and management of deployment workflows</a:t>
+        <p:spPr>
+          <a:xfrm>
+            <a:off x="347526" y="1406880"/>
+            <a:ext cx="3524677" cy="4746091"/>
+          </a:xfrm>
+        </p:spPr>
+        <p:txBody>
+          <a:bodyPr>
+            <a:normAutofit/>
+          </a:bodyPr>
+          <a:lstStyle/>
+          <a:p>
+            <a:pPr>
+              <a:spcBef>
+                <a:spcPts val="1200"/>
+              </a:spcBef>
+              <a:spcAft>
+                <a:spcPts val="600"/>
+              </a:spcAft>
+            </a:pPr>
+            <a:r>
+              <a:rPr lang="en-US" sz="2100" dirty="0"/>
+              <a:t>Docker is a containerization platform for applications</a:t>
+            </a:r>
+          </a:p>
+          <a:p>
+            <a:pPr>
+              <a:spcBef>
+                <a:spcPts val="1200"/>
+              </a:spcBef>
+              <a:spcAft>
+                <a:spcPts val="600"/>
+              </a:spcAft>
+            </a:pPr>
+            <a:r>
+              <a:rPr lang="en-US" sz="2100" dirty="0"/>
+              <a:t>Developed by Solomon </a:t>
+            </a:r>
+            <a:r>
+              <a:rPr lang="en-US" sz="2100" dirty="0" err="1"/>
+              <a:t>Hykes</a:t>
+            </a:r>
+            <a:r>
+              <a:rPr lang="en-US" sz="2100" dirty="0"/>
+              <a:t> and his team at Docker Inc. in 2013</a:t>
+            </a:r>
+          </a:p>
+          <a:p>
+            <a:pPr>
+              <a:spcBef>
+                <a:spcPts val="1200"/>
+              </a:spcBef>
+              <a:spcAft>
+                <a:spcPts val="600"/>
+              </a:spcAft>
+            </a:pPr>
+            <a:r>
+              <a:rPr lang="en-US" sz="2100" dirty="0"/>
+              <a:t>Allows developers to package an application and its dependencies into a lightweight, portable container</a:t>
             </a:r>
           </a:p>
         </p:txBody>
@@ -5014,10 +4994,601 @@
           </a:p>
         </p:txBody>
       </p:sp>
+      <p:sp>
+        <p:nvSpPr>
+          <p:cNvPr id="8" name="Content Placeholder 2"/>
+          <p:cNvSpPr txBox="1">
+            <a:spLocks/>
+          </p:cNvSpPr>
+          <p:nvPr/>
+        </p:nvSpPr>
+        <p:spPr>
+          <a:xfrm>
+            <a:off x="4306816" y="1406880"/>
+            <a:ext cx="3524677" cy="4746091"/>
+          </a:xfrm>
+          <a:prstGeom prst="rect">
+            <a:avLst/>
+          </a:prstGeom>
+        </p:spPr>
+        <p:txBody>
+          <a:bodyPr vert="horz" lIns="91440" tIns="45720" rIns="91440" bIns="45720" rtlCol="0">
+            <a:normAutofit/>
+          </a:bodyPr>
+          <a:lstStyle>
+            <a:lvl1pPr marL="228600" indent="-228600" algn="l" defTabSz="914400" rtl="0" eaLnBrk="1" latinLnBrk="0" hangingPunct="1">
+              <a:lnSpc>
+                <a:spcPct val="90000"/>
+              </a:lnSpc>
+              <a:spcBef>
+                <a:spcPts val="1000"/>
+              </a:spcBef>
+              <a:buFont typeface="Arial" panose="020B0604020202020204" pitchFamily="34" charset="0"/>
+              <a:buChar char="•"/>
+              <a:defRPr sz="2800" kern="1200">
+                <a:solidFill>
+                  <a:schemeClr val="tx1"/>
+                </a:solidFill>
+                <a:latin typeface="Candara" panose="020E0502030303020204" pitchFamily="34" charset="0"/>
+                <a:ea typeface="+mn-ea"/>
+                <a:cs typeface="+mn-cs"/>
+              </a:defRPr>
+            </a:lvl1pPr>
+            <a:lvl2pPr marL="685800" indent="-228600" algn="l" defTabSz="914400" rtl="0" eaLnBrk="1" latinLnBrk="0" hangingPunct="1">
+              <a:lnSpc>
+                <a:spcPct val="90000"/>
+              </a:lnSpc>
+              <a:spcBef>
+                <a:spcPts val="500"/>
+              </a:spcBef>
+              <a:buFont typeface="Arial" panose="020B0604020202020204" pitchFamily="34" charset="0"/>
+              <a:buChar char="•"/>
+              <a:defRPr sz="2400" kern="1200">
+                <a:solidFill>
+                  <a:schemeClr val="tx1"/>
+                </a:solidFill>
+                <a:latin typeface="Candara" panose="020E0502030303020204" pitchFamily="34" charset="0"/>
+                <a:ea typeface="+mn-ea"/>
+                <a:cs typeface="+mn-cs"/>
+              </a:defRPr>
+            </a:lvl2pPr>
+            <a:lvl3pPr marL="1143000" indent="-228600" algn="l" defTabSz="914400" rtl="0" eaLnBrk="1" latinLnBrk="0" hangingPunct="1">
+              <a:lnSpc>
+                <a:spcPct val="90000"/>
+              </a:lnSpc>
+              <a:spcBef>
+                <a:spcPts val="500"/>
+              </a:spcBef>
+              <a:buFont typeface="Arial" panose="020B0604020202020204" pitchFamily="34" charset="0"/>
+              <a:buChar char="•"/>
+              <a:defRPr sz="2000" kern="1200">
+                <a:solidFill>
+                  <a:schemeClr val="tx1"/>
+                </a:solidFill>
+                <a:latin typeface="Candara" panose="020E0502030303020204" pitchFamily="34" charset="0"/>
+                <a:ea typeface="+mn-ea"/>
+                <a:cs typeface="+mn-cs"/>
+              </a:defRPr>
+            </a:lvl3pPr>
+            <a:lvl4pPr marL="1600200" indent="-228600" algn="l" defTabSz="914400" rtl="0" eaLnBrk="1" latinLnBrk="0" hangingPunct="1">
+              <a:lnSpc>
+                <a:spcPct val="90000"/>
+              </a:lnSpc>
+              <a:spcBef>
+                <a:spcPts val="500"/>
+              </a:spcBef>
+              <a:buFont typeface="Arial" panose="020B0604020202020204" pitchFamily="34" charset="0"/>
+              <a:buChar char="•"/>
+              <a:defRPr sz="1800" kern="1200">
+                <a:solidFill>
+                  <a:schemeClr val="tx1"/>
+                </a:solidFill>
+                <a:latin typeface="Candara" panose="020E0502030303020204" pitchFamily="34" charset="0"/>
+                <a:ea typeface="+mn-ea"/>
+                <a:cs typeface="+mn-cs"/>
+              </a:defRPr>
+            </a:lvl4pPr>
+            <a:lvl5pPr marL="2057400" indent="-228600" algn="l" defTabSz="914400" rtl="0" eaLnBrk="1" latinLnBrk="0" hangingPunct="1">
+              <a:lnSpc>
+                <a:spcPct val="90000"/>
+              </a:lnSpc>
+              <a:spcBef>
+                <a:spcPts val="500"/>
+              </a:spcBef>
+              <a:buFont typeface="Arial" panose="020B0604020202020204" pitchFamily="34" charset="0"/>
+              <a:buChar char="•"/>
+              <a:defRPr sz="1800" kern="1200">
+                <a:solidFill>
+                  <a:schemeClr val="tx1"/>
+                </a:solidFill>
+                <a:latin typeface="Candara" panose="020E0502030303020204" pitchFamily="34" charset="0"/>
+                <a:ea typeface="+mn-ea"/>
+                <a:cs typeface="+mn-cs"/>
+              </a:defRPr>
+            </a:lvl5pPr>
+            <a:lvl6pPr marL="2514600" indent="-228600" algn="l" defTabSz="914400" rtl="0" eaLnBrk="1" latinLnBrk="0" hangingPunct="1">
+              <a:lnSpc>
+                <a:spcPct val="90000"/>
+              </a:lnSpc>
+              <a:spcBef>
+                <a:spcPts val="500"/>
+              </a:spcBef>
+              <a:buFont typeface="Arial" panose="020B0604020202020204" pitchFamily="34" charset="0"/>
+              <a:buChar char="•"/>
+              <a:defRPr sz="1800" kern="1200">
+                <a:solidFill>
+                  <a:schemeClr val="tx1"/>
+                </a:solidFill>
+                <a:latin typeface="+mn-lt"/>
+                <a:ea typeface="+mn-ea"/>
+                <a:cs typeface="+mn-cs"/>
+              </a:defRPr>
+            </a:lvl6pPr>
+            <a:lvl7pPr marL="2971800" indent="-228600" algn="l" defTabSz="914400" rtl="0" eaLnBrk="1" latinLnBrk="0" hangingPunct="1">
+              <a:lnSpc>
+                <a:spcPct val="90000"/>
+              </a:lnSpc>
+              <a:spcBef>
+                <a:spcPts val="500"/>
+              </a:spcBef>
+              <a:buFont typeface="Arial" panose="020B0604020202020204" pitchFamily="34" charset="0"/>
+              <a:buChar char="•"/>
+              <a:defRPr sz="1800" kern="1200">
+                <a:solidFill>
+                  <a:schemeClr val="tx1"/>
+                </a:solidFill>
+                <a:latin typeface="+mn-lt"/>
+                <a:ea typeface="+mn-ea"/>
+                <a:cs typeface="+mn-cs"/>
+              </a:defRPr>
+            </a:lvl7pPr>
+            <a:lvl8pPr marL="3429000" indent="-228600" algn="l" defTabSz="914400" rtl="0" eaLnBrk="1" latinLnBrk="0" hangingPunct="1">
+              <a:lnSpc>
+                <a:spcPct val="90000"/>
+              </a:lnSpc>
+              <a:spcBef>
+                <a:spcPts val="500"/>
+              </a:spcBef>
+              <a:buFont typeface="Arial" panose="020B0604020202020204" pitchFamily="34" charset="0"/>
+              <a:buChar char="•"/>
+              <a:defRPr sz="1800" kern="1200">
+                <a:solidFill>
+                  <a:schemeClr val="tx1"/>
+                </a:solidFill>
+                <a:latin typeface="+mn-lt"/>
+                <a:ea typeface="+mn-ea"/>
+                <a:cs typeface="+mn-cs"/>
+              </a:defRPr>
+            </a:lvl8pPr>
+            <a:lvl9pPr marL="3886200" indent="-228600" algn="l" defTabSz="914400" rtl="0" eaLnBrk="1" latinLnBrk="0" hangingPunct="1">
+              <a:lnSpc>
+                <a:spcPct val="90000"/>
+              </a:lnSpc>
+              <a:spcBef>
+                <a:spcPts val="500"/>
+              </a:spcBef>
+              <a:buFont typeface="Arial" panose="020B0604020202020204" pitchFamily="34" charset="0"/>
+              <a:buChar char="•"/>
+              <a:defRPr sz="1800" kern="1200">
+                <a:solidFill>
+                  <a:schemeClr val="tx1"/>
+                </a:solidFill>
+                <a:latin typeface="+mn-lt"/>
+                <a:ea typeface="+mn-ea"/>
+                <a:cs typeface="+mn-cs"/>
+              </a:defRPr>
+            </a:lvl9pPr>
+          </a:lstStyle>
+          <a:p>
+            <a:pPr>
+              <a:spcBef>
+                <a:spcPts val="1200"/>
+              </a:spcBef>
+              <a:spcAft>
+                <a:spcPts val="600"/>
+              </a:spcAft>
+            </a:pPr>
+            <a:r>
+              <a:rPr lang="en-US" sz="2100" dirty="0"/>
+              <a:t>Use cases:</a:t>
+            </a:r>
+          </a:p>
+          <a:p>
+            <a:pPr lvl="1">
+              <a:spcBef>
+                <a:spcPts val="1200"/>
+              </a:spcBef>
+              <a:spcAft>
+                <a:spcPts val="600"/>
+              </a:spcAft>
+            </a:pPr>
+            <a:r>
+              <a:rPr lang="en-US" sz="1700" dirty="0"/>
+              <a:t>Developing and testing applications</a:t>
+            </a:r>
+          </a:p>
+          <a:p>
+            <a:pPr lvl="1">
+              <a:spcBef>
+                <a:spcPts val="1200"/>
+              </a:spcBef>
+              <a:spcAft>
+                <a:spcPts val="600"/>
+              </a:spcAft>
+            </a:pPr>
+            <a:r>
+              <a:rPr lang="en-US" sz="1700" dirty="0"/>
+              <a:t>Deploying web applications</a:t>
+            </a:r>
+          </a:p>
+          <a:p>
+            <a:pPr lvl="1">
+              <a:spcBef>
+                <a:spcPts val="1200"/>
+              </a:spcBef>
+              <a:spcAft>
+                <a:spcPts val="600"/>
+              </a:spcAft>
+            </a:pPr>
+            <a:r>
+              <a:rPr lang="en-US" sz="1700" dirty="0"/>
+              <a:t>Creating </a:t>
+            </a:r>
+            <a:r>
+              <a:rPr lang="en-US" sz="1700" dirty="0" err="1"/>
+              <a:t>microservices</a:t>
+            </a:r>
+            <a:r>
+              <a:rPr lang="en-US" sz="1700" dirty="0"/>
+              <a:t> architecture</a:t>
+            </a:r>
+          </a:p>
+          <a:p>
+            <a:pPr lvl="1">
+              <a:spcBef>
+                <a:spcPts val="1200"/>
+              </a:spcBef>
+              <a:spcAft>
+                <a:spcPts val="600"/>
+              </a:spcAft>
+            </a:pPr>
+            <a:r>
+              <a:rPr lang="en-US" sz="1700" dirty="0"/>
+              <a:t>Data science and machine learning</a:t>
+            </a:r>
+          </a:p>
+          <a:p>
+            <a:pPr lvl="1">
+              <a:spcBef>
+                <a:spcPts val="1200"/>
+              </a:spcBef>
+              <a:spcAft>
+                <a:spcPts val="600"/>
+              </a:spcAft>
+            </a:pPr>
+            <a:r>
+              <a:rPr lang="en-US" sz="1700" dirty="0"/>
+              <a:t>DevOps and continuous integration/continuous deployment (CI/CD)</a:t>
+            </a:r>
+          </a:p>
+        </p:txBody>
+      </p:sp>
+      <p:sp>
+        <p:nvSpPr>
+          <p:cNvPr id="9" name="Content Placeholder 2"/>
+          <p:cNvSpPr txBox="1">
+            <a:spLocks/>
+          </p:cNvSpPr>
+          <p:nvPr/>
+        </p:nvSpPr>
+        <p:spPr>
+          <a:xfrm>
+            <a:off x="8266106" y="1406880"/>
+            <a:ext cx="3524677" cy="4746091"/>
+          </a:xfrm>
+          <a:prstGeom prst="rect">
+            <a:avLst/>
+          </a:prstGeom>
+        </p:spPr>
+        <p:txBody>
+          <a:bodyPr vert="horz" lIns="91440" tIns="45720" rIns="91440" bIns="45720" rtlCol="0">
+            <a:normAutofit/>
+          </a:bodyPr>
+          <a:lstStyle>
+            <a:lvl1pPr marL="228600" indent="-228600" algn="l" defTabSz="914400" rtl="0" eaLnBrk="1" latinLnBrk="0" hangingPunct="1">
+              <a:lnSpc>
+                <a:spcPct val="90000"/>
+              </a:lnSpc>
+              <a:spcBef>
+                <a:spcPts val="1000"/>
+              </a:spcBef>
+              <a:buFont typeface="Arial" panose="020B0604020202020204" pitchFamily="34" charset="0"/>
+              <a:buChar char="•"/>
+              <a:defRPr sz="2800" kern="1200">
+                <a:solidFill>
+                  <a:schemeClr val="tx1"/>
+                </a:solidFill>
+                <a:latin typeface="Candara" panose="020E0502030303020204" pitchFamily="34" charset="0"/>
+                <a:ea typeface="+mn-ea"/>
+                <a:cs typeface="+mn-cs"/>
+              </a:defRPr>
+            </a:lvl1pPr>
+            <a:lvl2pPr marL="685800" indent="-228600" algn="l" defTabSz="914400" rtl="0" eaLnBrk="1" latinLnBrk="0" hangingPunct="1">
+              <a:lnSpc>
+                <a:spcPct val="90000"/>
+              </a:lnSpc>
+              <a:spcBef>
+                <a:spcPts val="500"/>
+              </a:spcBef>
+              <a:buFont typeface="Arial" panose="020B0604020202020204" pitchFamily="34" charset="0"/>
+              <a:buChar char="•"/>
+              <a:defRPr sz="2400" kern="1200">
+                <a:solidFill>
+                  <a:schemeClr val="tx1"/>
+                </a:solidFill>
+                <a:latin typeface="Candara" panose="020E0502030303020204" pitchFamily="34" charset="0"/>
+                <a:ea typeface="+mn-ea"/>
+                <a:cs typeface="+mn-cs"/>
+              </a:defRPr>
+            </a:lvl2pPr>
+            <a:lvl3pPr marL="1143000" indent="-228600" algn="l" defTabSz="914400" rtl="0" eaLnBrk="1" latinLnBrk="0" hangingPunct="1">
+              <a:lnSpc>
+                <a:spcPct val="90000"/>
+              </a:lnSpc>
+              <a:spcBef>
+                <a:spcPts val="500"/>
+              </a:spcBef>
+              <a:buFont typeface="Arial" panose="020B0604020202020204" pitchFamily="34" charset="0"/>
+              <a:buChar char="•"/>
+              <a:defRPr sz="2000" kern="1200">
+                <a:solidFill>
+                  <a:schemeClr val="tx1"/>
+                </a:solidFill>
+                <a:latin typeface="Candara" panose="020E0502030303020204" pitchFamily="34" charset="0"/>
+                <a:ea typeface="+mn-ea"/>
+                <a:cs typeface="+mn-cs"/>
+              </a:defRPr>
+            </a:lvl3pPr>
+            <a:lvl4pPr marL="1600200" indent="-228600" algn="l" defTabSz="914400" rtl="0" eaLnBrk="1" latinLnBrk="0" hangingPunct="1">
+              <a:lnSpc>
+                <a:spcPct val="90000"/>
+              </a:lnSpc>
+              <a:spcBef>
+                <a:spcPts val="500"/>
+              </a:spcBef>
+              <a:buFont typeface="Arial" panose="020B0604020202020204" pitchFamily="34" charset="0"/>
+              <a:buChar char="•"/>
+              <a:defRPr sz="1800" kern="1200">
+                <a:solidFill>
+                  <a:schemeClr val="tx1"/>
+                </a:solidFill>
+                <a:latin typeface="Candara" panose="020E0502030303020204" pitchFamily="34" charset="0"/>
+                <a:ea typeface="+mn-ea"/>
+                <a:cs typeface="+mn-cs"/>
+              </a:defRPr>
+            </a:lvl4pPr>
+            <a:lvl5pPr marL="2057400" indent="-228600" algn="l" defTabSz="914400" rtl="0" eaLnBrk="1" latinLnBrk="0" hangingPunct="1">
+              <a:lnSpc>
+                <a:spcPct val="90000"/>
+              </a:lnSpc>
+              <a:spcBef>
+                <a:spcPts val="500"/>
+              </a:spcBef>
+              <a:buFont typeface="Arial" panose="020B0604020202020204" pitchFamily="34" charset="0"/>
+              <a:buChar char="•"/>
+              <a:defRPr sz="1800" kern="1200">
+                <a:solidFill>
+                  <a:schemeClr val="tx1"/>
+                </a:solidFill>
+                <a:latin typeface="Candara" panose="020E0502030303020204" pitchFamily="34" charset="0"/>
+                <a:ea typeface="+mn-ea"/>
+                <a:cs typeface="+mn-cs"/>
+              </a:defRPr>
+            </a:lvl5pPr>
+            <a:lvl6pPr marL="2514600" indent="-228600" algn="l" defTabSz="914400" rtl="0" eaLnBrk="1" latinLnBrk="0" hangingPunct="1">
+              <a:lnSpc>
+                <a:spcPct val="90000"/>
+              </a:lnSpc>
+              <a:spcBef>
+                <a:spcPts val="500"/>
+              </a:spcBef>
+              <a:buFont typeface="Arial" panose="020B0604020202020204" pitchFamily="34" charset="0"/>
+              <a:buChar char="•"/>
+              <a:defRPr sz="1800" kern="1200">
+                <a:solidFill>
+                  <a:schemeClr val="tx1"/>
+                </a:solidFill>
+                <a:latin typeface="+mn-lt"/>
+                <a:ea typeface="+mn-ea"/>
+                <a:cs typeface="+mn-cs"/>
+              </a:defRPr>
+            </a:lvl6pPr>
+            <a:lvl7pPr marL="2971800" indent="-228600" algn="l" defTabSz="914400" rtl="0" eaLnBrk="1" latinLnBrk="0" hangingPunct="1">
+              <a:lnSpc>
+                <a:spcPct val="90000"/>
+              </a:lnSpc>
+              <a:spcBef>
+                <a:spcPts val="500"/>
+              </a:spcBef>
+              <a:buFont typeface="Arial" panose="020B0604020202020204" pitchFamily="34" charset="0"/>
+              <a:buChar char="•"/>
+              <a:defRPr sz="1800" kern="1200">
+                <a:solidFill>
+                  <a:schemeClr val="tx1"/>
+                </a:solidFill>
+                <a:latin typeface="+mn-lt"/>
+                <a:ea typeface="+mn-ea"/>
+                <a:cs typeface="+mn-cs"/>
+              </a:defRPr>
+            </a:lvl7pPr>
+            <a:lvl8pPr marL="3429000" indent="-228600" algn="l" defTabSz="914400" rtl="0" eaLnBrk="1" latinLnBrk="0" hangingPunct="1">
+              <a:lnSpc>
+                <a:spcPct val="90000"/>
+              </a:lnSpc>
+              <a:spcBef>
+                <a:spcPts val="500"/>
+              </a:spcBef>
+              <a:buFont typeface="Arial" panose="020B0604020202020204" pitchFamily="34" charset="0"/>
+              <a:buChar char="•"/>
+              <a:defRPr sz="1800" kern="1200">
+                <a:solidFill>
+                  <a:schemeClr val="tx1"/>
+                </a:solidFill>
+                <a:latin typeface="+mn-lt"/>
+                <a:ea typeface="+mn-ea"/>
+                <a:cs typeface="+mn-cs"/>
+              </a:defRPr>
+            </a:lvl8pPr>
+            <a:lvl9pPr marL="3886200" indent="-228600" algn="l" defTabSz="914400" rtl="0" eaLnBrk="1" latinLnBrk="0" hangingPunct="1">
+              <a:lnSpc>
+                <a:spcPct val="90000"/>
+              </a:lnSpc>
+              <a:spcBef>
+                <a:spcPts val="500"/>
+              </a:spcBef>
+              <a:buFont typeface="Arial" panose="020B0604020202020204" pitchFamily="34" charset="0"/>
+              <a:buChar char="•"/>
+              <a:defRPr sz="1800" kern="1200">
+                <a:solidFill>
+                  <a:schemeClr val="tx1"/>
+                </a:solidFill>
+                <a:latin typeface="+mn-lt"/>
+                <a:ea typeface="+mn-ea"/>
+                <a:cs typeface="+mn-cs"/>
+              </a:defRPr>
+            </a:lvl9pPr>
+          </a:lstStyle>
+          <a:p>
+            <a:pPr>
+              <a:spcBef>
+                <a:spcPts val="1200"/>
+              </a:spcBef>
+              <a:spcAft>
+                <a:spcPts val="600"/>
+              </a:spcAft>
+            </a:pPr>
+            <a:r>
+              <a:rPr lang="en-US" sz="2100" dirty="0"/>
+              <a:t>Benefits:</a:t>
+            </a:r>
+          </a:p>
+          <a:p>
+            <a:pPr lvl="1">
+              <a:spcBef>
+                <a:spcPts val="1200"/>
+              </a:spcBef>
+              <a:spcAft>
+                <a:spcPts val="600"/>
+              </a:spcAft>
+            </a:pPr>
+            <a:r>
+              <a:rPr lang="en-US" sz="1700" dirty="0"/>
+              <a:t>Lightweight and portable containers</a:t>
+            </a:r>
+          </a:p>
+          <a:p>
+            <a:pPr lvl="1">
+              <a:spcBef>
+                <a:spcPts val="1200"/>
+              </a:spcBef>
+              <a:spcAft>
+                <a:spcPts val="600"/>
+              </a:spcAft>
+            </a:pPr>
+            <a:r>
+              <a:rPr lang="en-US" sz="1700" dirty="0"/>
+              <a:t>Faster development and deployment cycles</a:t>
+            </a:r>
+          </a:p>
+          <a:p>
+            <a:pPr lvl="1">
+              <a:spcBef>
+                <a:spcPts val="1200"/>
+              </a:spcBef>
+              <a:spcAft>
+                <a:spcPts val="600"/>
+              </a:spcAft>
+            </a:pPr>
+            <a:r>
+              <a:rPr lang="en-US" sz="1700" dirty="0"/>
+              <a:t>Isolation and security</a:t>
+            </a:r>
+          </a:p>
+          <a:p>
+            <a:pPr lvl="1">
+              <a:spcBef>
+                <a:spcPts val="1200"/>
+              </a:spcBef>
+              <a:spcAft>
+                <a:spcPts val="600"/>
+              </a:spcAft>
+            </a:pPr>
+            <a:r>
+              <a:rPr lang="en-US" sz="1700" dirty="0"/>
+              <a:t>Efficient resource utilization</a:t>
+            </a:r>
+          </a:p>
+          <a:p>
+            <a:pPr lvl="1">
+              <a:spcBef>
+                <a:spcPts val="1200"/>
+              </a:spcBef>
+              <a:spcAft>
+                <a:spcPts val="600"/>
+              </a:spcAft>
+            </a:pPr>
+            <a:r>
+              <a:rPr lang="en-US" sz="1700" dirty="0"/>
+              <a:t>Collaboration and reuse of images and containers</a:t>
+            </a:r>
+          </a:p>
+        </p:txBody>
+      </p:sp>
+      <p:pic>
+        <p:nvPicPr>
+          <p:cNvPr id="2050" name="Picture 2" descr="File:Docker (container engine) logo.svg - Wikipedia"/>
+          <p:cNvPicPr>
+            <a:picLocks noChangeAspect="1" noChangeArrowheads="1"/>
+          </p:cNvPicPr>
+          <p:nvPr/>
+        </p:nvPicPr>
+        <p:blipFill>
+          <a:blip r:embed="rId2" cstate="print">
+            <a:extLst>
+              <a:ext uri="{28A0092B-C50C-407E-A947-70E740481C1C}">
+                <a14:useLocalDpi xmlns:a14="http://schemas.microsoft.com/office/drawing/2010/main" val="0"/>
+              </a:ext>
+            </a:extLst>
+          </a:blip>
+          <a:srcRect/>
+          <a:stretch>
+            <a:fillRect/>
+          </a:stretch>
+        </p:blipFill>
+        <p:spPr bwMode="auto">
+          <a:xfrm>
+            <a:off x="347526" y="37324"/>
+            <a:ext cx="4800191" cy="1140045"/>
+          </a:xfrm>
+          <a:prstGeom prst="rect">
+            <a:avLst/>
+          </a:prstGeom>
+          <a:noFill/>
+          <a:extLst>
+            <a:ext uri="{909E8E84-426E-40DD-AFC4-6F175D3DCCD1}">
+              <a14:hiddenFill xmlns:a14="http://schemas.microsoft.com/office/drawing/2010/main">
+                <a:solidFill>
+                  <a:srgbClr val="FFFFFF"/>
+                </a:solidFill>
+              </a14:hiddenFill>
+            </a:ext>
+          </a:extLst>
+        </p:spPr>
+      </p:pic>
     </p:spTree>
     <p:extLst>
       <p:ext uri="{BB962C8B-B14F-4D97-AF65-F5344CB8AC3E}">
-        <p14:creationId xmlns:p14="http://schemas.microsoft.com/office/powerpoint/2010/main" val="1261736502"/>
+        <p14:creationId xmlns:p14="http://schemas.microsoft.com/office/powerpoint/2010/main" val="775948479"/>
       </p:ext>
     </p:extLst>
   </p:cSld>
@@ -5046,28 +5617,6 @@
       </p:grpSpPr>
       <p:sp>
         <p:nvSpPr>
-          <p:cNvPr id="2" name="Title 1"/>
-          <p:cNvSpPr>
-            <a:spLocks noGrp="1"/>
-          </p:cNvSpPr>
-          <p:nvPr>
-            <p:ph type="title"/>
-          </p:nvPr>
-        </p:nvSpPr>
-        <p:spPr/>
-        <p:txBody>
-          <a:bodyPr/>
-          <a:lstStyle/>
-          <a:p>
-            <a:r>
-              <a:rPr lang="en-US" dirty="0"/>
-              <a:t>GitHub Integration: Streamlining Deployment</a:t>
-            </a:r>
-          </a:p>
-        </p:txBody>
-      </p:sp>
-      <p:sp>
-        <p:nvSpPr>
           <p:cNvPr id="3" name="Content Placeholder 2"/>
           <p:cNvSpPr>
             <a:spLocks noGrp="1"/>
@@ -5076,42 +5625,57 @@
             <p:ph idx="1"/>
           </p:nvPr>
         </p:nvSpPr>
-        <p:spPr/>
-        <p:txBody>
-          <a:bodyPr/>
-          <a:lstStyle/>
-          <a:p>
-            <a:r>
-              <a:rPr lang="en-US" dirty="0"/>
-              <a:t>Benefits of GitHub integration:</a:t>
-            </a:r>
-          </a:p>
-          <a:p>
-            <a:pPr lvl="1"/>
-            <a:r>
-              <a:rPr lang="en-US" dirty="0"/>
-              <a:t>Automated deployments</a:t>
-            </a:r>
-          </a:p>
-          <a:p>
-            <a:pPr lvl="1"/>
-            <a:r>
-              <a:rPr lang="en-US" dirty="0"/>
-              <a:t>Version control for deployment scripts</a:t>
-            </a:r>
-          </a:p>
-          <a:p>
-            <a:pPr lvl="1"/>
-            <a:r>
-              <a:rPr lang="en-US" dirty="0"/>
-              <a:t>Collaboration and access control</a:t>
-            </a:r>
-          </a:p>
-          <a:p>
-            <a:pPr lvl="1"/>
-            <a:r>
-              <a:rPr lang="en-US" dirty="0"/>
-              <a:t>Continuous integration and delivery</a:t>
+        <p:spPr>
+          <a:xfrm>
+            <a:off x="347526" y="1406880"/>
+            <a:ext cx="3524677" cy="4746091"/>
+          </a:xfrm>
+        </p:spPr>
+        <p:txBody>
+          <a:bodyPr>
+            <a:normAutofit/>
+          </a:bodyPr>
+          <a:lstStyle/>
+          <a:p>
+            <a:pPr>
+              <a:spcBef>
+                <a:spcPts val="1200"/>
+              </a:spcBef>
+              <a:spcAft>
+                <a:spcPts val="600"/>
+              </a:spcAft>
+            </a:pPr>
+            <a:r>
+              <a:rPr lang="en-US" sz="2100" dirty="0"/>
+              <a:t>Kubernetes (k8s) is an open-source container orchestration platform</a:t>
+            </a:r>
+          </a:p>
+          <a:p>
+            <a:pPr>
+              <a:spcBef>
+                <a:spcPts val="1200"/>
+              </a:spcBef>
+              <a:spcAft>
+                <a:spcPts val="600"/>
+              </a:spcAft>
+            </a:pPr>
+            <a:r>
+              <a:rPr lang="en-US" sz="2100" dirty="0"/>
+              <a:t>Developed by Google, now maintained by the Cloud Native Computing Foundation (CNCF)</a:t>
+            </a:r>
+          </a:p>
+          <a:p>
+            <a:pPr>
+              <a:spcBef>
+                <a:spcPts val="1200"/>
+              </a:spcBef>
+              <a:spcAft>
+                <a:spcPts val="600"/>
+              </a:spcAft>
+            </a:pPr>
+            <a:r>
+              <a:rPr lang="en-US" sz="2100" dirty="0"/>
+              <a:t>Automates deployment, scaling, and management of containerized applications</a:t>
             </a:r>
           </a:p>
         </p:txBody>
@@ -5135,6 +5699,908 @@
               <a:rPr lang="en-US" smtClean="0"/>
               <a:pPr/>
               <a:t>14</a:t>
+            </a:fld>
+            <a:endParaRPr lang="en-US" dirty="0"/>
+          </a:p>
+        </p:txBody>
+      </p:sp>
+      <p:pic>
+        <p:nvPicPr>
+          <p:cNvPr id="1028" name="Picture 4" descr="Overview | Kubernetes"/>
+          <p:cNvPicPr>
+            <a:picLocks noChangeAspect="1" noChangeArrowheads="1"/>
+          </p:cNvPicPr>
+          <p:nvPr/>
+        </p:nvPicPr>
+        <p:blipFill>
+          <a:blip r:embed="rId2" cstate="print">
+            <a:extLst>
+              <a:ext uri="{28A0092B-C50C-407E-A947-70E740481C1C}">
+                <a14:useLocalDpi xmlns:a14="http://schemas.microsoft.com/office/drawing/2010/main" val="0"/>
+              </a:ext>
+            </a:extLst>
+          </a:blip>
+          <a:srcRect/>
+          <a:stretch>
+            <a:fillRect/>
+          </a:stretch>
+        </p:blipFill>
+        <p:spPr bwMode="auto">
+          <a:xfrm>
+            <a:off x="347526" y="37321"/>
+            <a:ext cx="5080434" cy="1097280"/>
+          </a:xfrm>
+          <a:prstGeom prst="rect">
+            <a:avLst/>
+          </a:prstGeom>
+          <a:noFill/>
+          <a:extLst>
+            <a:ext uri="{909E8E84-426E-40DD-AFC4-6F175D3DCCD1}">
+              <a14:hiddenFill xmlns:a14="http://schemas.microsoft.com/office/drawing/2010/main">
+                <a:solidFill>
+                  <a:srgbClr val="FFFFFF"/>
+                </a:solidFill>
+              </a14:hiddenFill>
+            </a:ext>
+          </a:extLst>
+        </p:spPr>
+      </p:pic>
+      <p:sp>
+        <p:nvSpPr>
+          <p:cNvPr id="8" name="Content Placeholder 2"/>
+          <p:cNvSpPr txBox="1">
+            <a:spLocks/>
+          </p:cNvSpPr>
+          <p:nvPr/>
+        </p:nvSpPr>
+        <p:spPr>
+          <a:xfrm>
+            <a:off x="4306816" y="1406880"/>
+            <a:ext cx="3524677" cy="4746091"/>
+          </a:xfrm>
+          <a:prstGeom prst="rect">
+            <a:avLst/>
+          </a:prstGeom>
+        </p:spPr>
+        <p:txBody>
+          <a:bodyPr vert="horz" lIns="91440" tIns="45720" rIns="91440" bIns="45720" rtlCol="0">
+            <a:normAutofit/>
+          </a:bodyPr>
+          <a:lstStyle>
+            <a:lvl1pPr marL="228600" indent="-228600" algn="l" defTabSz="914400" rtl="0" eaLnBrk="1" latinLnBrk="0" hangingPunct="1">
+              <a:lnSpc>
+                <a:spcPct val="90000"/>
+              </a:lnSpc>
+              <a:spcBef>
+                <a:spcPts val="1000"/>
+              </a:spcBef>
+              <a:buFont typeface="Arial" panose="020B0604020202020204" pitchFamily="34" charset="0"/>
+              <a:buChar char="•"/>
+              <a:defRPr sz="2800" kern="1200">
+                <a:solidFill>
+                  <a:schemeClr val="tx1"/>
+                </a:solidFill>
+                <a:latin typeface="Candara" panose="020E0502030303020204" pitchFamily="34" charset="0"/>
+                <a:ea typeface="+mn-ea"/>
+                <a:cs typeface="+mn-cs"/>
+              </a:defRPr>
+            </a:lvl1pPr>
+            <a:lvl2pPr marL="685800" indent="-228600" algn="l" defTabSz="914400" rtl="0" eaLnBrk="1" latinLnBrk="0" hangingPunct="1">
+              <a:lnSpc>
+                <a:spcPct val="90000"/>
+              </a:lnSpc>
+              <a:spcBef>
+                <a:spcPts val="500"/>
+              </a:spcBef>
+              <a:buFont typeface="Arial" panose="020B0604020202020204" pitchFamily="34" charset="0"/>
+              <a:buChar char="•"/>
+              <a:defRPr sz="2400" kern="1200">
+                <a:solidFill>
+                  <a:schemeClr val="tx1"/>
+                </a:solidFill>
+                <a:latin typeface="Candara" panose="020E0502030303020204" pitchFamily="34" charset="0"/>
+                <a:ea typeface="+mn-ea"/>
+                <a:cs typeface="+mn-cs"/>
+              </a:defRPr>
+            </a:lvl2pPr>
+            <a:lvl3pPr marL="1143000" indent="-228600" algn="l" defTabSz="914400" rtl="0" eaLnBrk="1" latinLnBrk="0" hangingPunct="1">
+              <a:lnSpc>
+                <a:spcPct val="90000"/>
+              </a:lnSpc>
+              <a:spcBef>
+                <a:spcPts val="500"/>
+              </a:spcBef>
+              <a:buFont typeface="Arial" panose="020B0604020202020204" pitchFamily="34" charset="0"/>
+              <a:buChar char="•"/>
+              <a:defRPr sz="2000" kern="1200">
+                <a:solidFill>
+                  <a:schemeClr val="tx1"/>
+                </a:solidFill>
+                <a:latin typeface="Candara" panose="020E0502030303020204" pitchFamily="34" charset="0"/>
+                <a:ea typeface="+mn-ea"/>
+                <a:cs typeface="+mn-cs"/>
+              </a:defRPr>
+            </a:lvl3pPr>
+            <a:lvl4pPr marL="1600200" indent="-228600" algn="l" defTabSz="914400" rtl="0" eaLnBrk="1" latinLnBrk="0" hangingPunct="1">
+              <a:lnSpc>
+                <a:spcPct val="90000"/>
+              </a:lnSpc>
+              <a:spcBef>
+                <a:spcPts val="500"/>
+              </a:spcBef>
+              <a:buFont typeface="Arial" panose="020B0604020202020204" pitchFamily="34" charset="0"/>
+              <a:buChar char="•"/>
+              <a:defRPr sz="1800" kern="1200">
+                <a:solidFill>
+                  <a:schemeClr val="tx1"/>
+                </a:solidFill>
+                <a:latin typeface="Candara" panose="020E0502030303020204" pitchFamily="34" charset="0"/>
+                <a:ea typeface="+mn-ea"/>
+                <a:cs typeface="+mn-cs"/>
+              </a:defRPr>
+            </a:lvl4pPr>
+            <a:lvl5pPr marL="2057400" indent="-228600" algn="l" defTabSz="914400" rtl="0" eaLnBrk="1" latinLnBrk="0" hangingPunct="1">
+              <a:lnSpc>
+                <a:spcPct val="90000"/>
+              </a:lnSpc>
+              <a:spcBef>
+                <a:spcPts val="500"/>
+              </a:spcBef>
+              <a:buFont typeface="Arial" panose="020B0604020202020204" pitchFamily="34" charset="0"/>
+              <a:buChar char="•"/>
+              <a:defRPr sz="1800" kern="1200">
+                <a:solidFill>
+                  <a:schemeClr val="tx1"/>
+                </a:solidFill>
+                <a:latin typeface="Candara" panose="020E0502030303020204" pitchFamily="34" charset="0"/>
+                <a:ea typeface="+mn-ea"/>
+                <a:cs typeface="+mn-cs"/>
+              </a:defRPr>
+            </a:lvl5pPr>
+            <a:lvl6pPr marL="2514600" indent="-228600" algn="l" defTabSz="914400" rtl="0" eaLnBrk="1" latinLnBrk="0" hangingPunct="1">
+              <a:lnSpc>
+                <a:spcPct val="90000"/>
+              </a:lnSpc>
+              <a:spcBef>
+                <a:spcPts val="500"/>
+              </a:spcBef>
+              <a:buFont typeface="Arial" panose="020B0604020202020204" pitchFamily="34" charset="0"/>
+              <a:buChar char="•"/>
+              <a:defRPr sz="1800" kern="1200">
+                <a:solidFill>
+                  <a:schemeClr val="tx1"/>
+                </a:solidFill>
+                <a:latin typeface="+mn-lt"/>
+                <a:ea typeface="+mn-ea"/>
+                <a:cs typeface="+mn-cs"/>
+              </a:defRPr>
+            </a:lvl6pPr>
+            <a:lvl7pPr marL="2971800" indent="-228600" algn="l" defTabSz="914400" rtl="0" eaLnBrk="1" latinLnBrk="0" hangingPunct="1">
+              <a:lnSpc>
+                <a:spcPct val="90000"/>
+              </a:lnSpc>
+              <a:spcBef>
+                <a:spcPts val="500"/>
+              </a:spcBef>
+              <a:buFont typeface="Arial" panose="020B0604020202020204" pitchFamily="34" charset="0"/>
+              <a:buChar char="•"/>
+              <a:defRPr sz="1800" kern="1200">
+                <a:solidFill>
+                  <a:schemeClr val="tx1"/>
+                </a:solidFill>
+                <a:latin typeface="+mn-lt"/>
+                <a:ea typeface="+mn-ea"/>
+                <a:cs typeface="+mn-cs"/>
+              </a:defRPr>
+            </a:lvl7pPr>
+            <a:lvl8pPr marL="3429000" indent="-228600" algn="l" defTabSz="914400" rtl="0" eaLnBrk="1" latinLnBrk="0" hangingPunct="1">
+              <a:lnSpc>
+                <a:spcPct val="90000"/>
+              </a:lnSpc>
+              <a:spcBef>
+                <a:spcPts val="500"/>
+              </a:spcBef>
+              <a:buFont typeface="Arial" panose="020B0604020202020204" pitchFamily="34" charset="0"/>
+              <a:buChar char="•"/>
+              <a:defRPr sz="1800" kern="1200">
+                <a:solidFill>
+                  <a:schemeClr val="tx1"/>
+                </a:solidFill>
+                <a:latin typeface="+mn-lt"/>
+                <a:ea typeface="+mn-ea"/>
+                <a:cs typeface="+mn-cs"/>
+              </a:defRPr>
+            </a:lvl8pPr>
+            <a:lvl9pPr marL="3886200" indent="-228600" algn="l" defTabSz="914400" rtl="0" eaLnBrk="1" latinLnBrk="0" hangingPunct="1">
+              <a:lnSpc>
+                <a:spcPct val="90000"/>
+              </a:lnSpc>
+              <a:spcBef>
+                <a:spcPts val="500"/>
+              </a:spcBef>
+              <a:buFont typeface="Arial" panose="020B0604020202020204" pitchFamily="34" charset="0"/>
+              <a:buChar char="•"/>
+              <a:defRPr sz="1800" kern="1200">
+                <a:solidFill>
+                  <a:schemeClr val="tx1"/>
+                </a:solidFill>
+                <a:latin typeface="+mn-lt"/>
+                <a:ea typeface="+mn-ea"/>
+                <a:cs typeface="+mn-cs"/>
+              </a:defRPr>
+            </a:lvl9pPr>
+          </a:lstStyle>
+          <a:p>
+            <a:pPr>
+              <a:spcBef>
+                <a:spcPts val="1200"/>
+              </a:spcBef>
+              <a:spcAft>
+                <a:spcPts val="600"/>
+              </a:spcAft>
+            </a:pPr>
+            <a:r>
+              <a:rPr lang="en-US" sz="2100" dirty="0"/>
+              <a:t>Use cases:</a:t>
+            </a:r>
+          </a:p>
+          <a:p>
+            <a:pPr lvl="1">
+              <a:spcBef>
+                <a:spcPts val="1200"/>
+              </a:spcBef>
+              <a:spcAft>
+                <a:spcPts val="600"/>
+              </a:spcAft>
+            </a:pPr>
+            <a:r>
+              <a:rPr lang="en-US" sz="1700" dirty="0"/>
+              <a:t>stateless web servers</a:t>
+            </a:r>
+          </a:p>
+          <a:p>
+            <a:pPr lvl="1">
+              <a:spcBef>
+                <a:spcPts val="1200"/>
+              </a:spcBef>
+              <a:spcAft>
+                <a:spcPts val="600"/>
+              </a:spcAft>
+            </a:pPr>
+            <a:r>
+              <a:rPr lang="en-US" sz="1700" dirty="0" err="1"/>
+              <a:t>stateful</a:t>
+            </a:r>
+            <a:r>
+              <a:rPr lang="en-US" sz="1700" dirty="0"/>
+              <a:t> databases</a:t>
+            </a:r>
+          </a:p>
+          <a:p>
+            <a:pPr lvl="1">
+              <a:spcBef>
+                <a:spcPts val="1200"/>
+              </a:spcBef>
+              <a:spcAft>
+                <a:spcPts val="600"/>
+              </a:spcAft>
+            </a:pPr>
+            <a:r>
+              <a:rPr lang="en-US" sz="1700" dirty="0"/>
+              <a:t>CI/CD pipelines</a:t>
+            </a:r>
+          </a:p>
+          <a:p>
+            <a:pPr lvl="1">
+              <a:spcBef>
+                <a:spcPts val="1200"/>
+              </a:spcBef>
+              <a:spcAft>
+                <a:spcPts val="600"/>
+              </a:spcAft>
+            </a:pPr>
+            <a:r>
+              <a:rPr lang="en-US" sz="1700" dirty="0"/>
+              <a:t>machine learning models</a:t>
+            </a:r>
+          </a:p>
+          <a:p>
+            <a:pPr lvl="1">
+              <a:spcBef>
+                <a:spcPts val="1200"/>
+              </a:spcBef>
+              <a:spcAft>
+                <a:spcPts val="600"/>
+              </a:spcAft>
+            </a:pPr>
+            <a:r>
+              <a:rPr lang="en-US" sz="1700" dirty="0"/>
+              <a:t>edge computing</a:t>
+            </a:r>
+          </a:p>
+        </p:txBody>
+      </p:sp>
+      <p:sp>
+        <p:nvSpPr>
+          <p:cNvPr id="9" name="Content Placeholder 2"/>
+          <p:cNvSpPr txBox="1">
+            <a:spLocks/>
+          </p:cNvSpPr>
+          <p:nvPr/>
+        </p:nvSpPr>
+        <p:spPr>
+          <a:xfrm>
+            <a:off x="8266106" y="1406880"/>
+            <a:ext cx="3524677" cy="4746091"/>
+          </a:xfrm>
+          <a:prstGeom prst="rect">
+            <a:avLst/>
+          </a:prstGeom>
+        </p:spPr>
+        <p:txBody>
+          <a:bodyPr vert="horz" lIns="91440" tIns="45720" rIns="91440" bIns="45720" rtlCol="0">
+            <a:normAutofit/>
+          </a:bodyPr>
+          <a:lstStyle>
+            <a:lvl1pPr marL="228600" indent="-228600" algn="l" defTabSz="914400" rtl="0" eaLnBrk="1" latinLnBrk="0" hangingPunct="1">
+              <a:lnSpc>
+                <a:spcPct val="90000"/>
+              </a:lnSpc>
+              <a:spcBef>
+                <a:spcPts val="1000"/>
+              </a:spcBef>
+              <a:buFont typeface="Arial" panose="020B0604020202020204" pitchFamily="34" charset="0"/>
+              <a:buChar char="•"/>
+              <a:defRPr sz="2800" kern="1200">
+                <a:solidFill>
+                  <a:schemeClr val="tx1"/>
+                </a:solidFill>
+                <a:latin typeface="Candara" panose="020E0502030303020204" pitchFamily="34" charset="0"/>
+                <a:ea typeface="+mn-ea"/>
+                <a:cs typeface="+mn-cs"/>
+              </a:defRPr>
+            </a:lvl1pPr>
+            <a:lvl2pPr marL="685800" indent="-228600" algn="l" defTabSz="914400" rtl="0" eaLnBrk="1" latinLnBrk="0" hangingPunct="1">
+              <a:lnSpc>
+                <a:spcPct val="90000"/>
+              </a:lnSpc>
+              <a:spcBef>
+                <a:spcPts val="500"/>
+              </a:spcBef>
+              <a:buFont typeface="Arial" panose="020B0604020202020204" pitchFamily="34" charset="0"/>
+              <a:buChar char="•"/>
+              <a:defRPr sz="2400" kern="1200">
+                <a:solidFill>
+                  <a:schemeClr val="tx1"/>
+                </a:solidFill>
+                <a:latin typeface="Candara" panose="020E0502030303020204" pitchFamily="34" charset="0"/>
+                <a:ea typeface="+mn-ea"/>
+                <a:cs typeface="+mn-cs"/>
+              </a:defRPr>
+            </a:lvl2pPr>
+            <a:lvl3pPr marL="1143000" indent="-228600" algn="l" defTabSz="914400" rtl="0" eaLnBrk="1" latinLnBrk="0" hangingPunct="1">
+              <a:lnSpc>
+                <a:spcPct val="90000"/>
+              </a:lnSpc>
+              <a:spcBef>
+                <a:spcPts val="500"/>
+              </a:spcBef>
+              <a:buFont typeface="Arial" panose="020B0604020202020204" pitchFamily="34" charset="0"/>
+              <a:buChar char="•"/>
+              <a:defRPr sz="2000" kern="1200">
+                <a:solidFill>
+                  <a:schemeClr val="tx1"/>
+                </a:solidFill>
+                <a:latin typeface="Candara" panose="020E0502030303020204" pitchFamily="34" charset="0"/>
+                <a:ea typeface="+mn-ea"/>
+                <a:cs typeface="+mn-cs"/>
+              </a:defRPr>
+            </a:lvl3pPr>
+            <a:lvl4pPr marL="1600200" indent="-228600" algn="l" defTabSz="914400" rtl="0" eaLnBrk="1" latinLnBrk="0" hangingPunct="1">
+              <a:lnSpc>
+                <a:spcPct val="90000"/>
+              </a:lnSpc>
+              <a:spcBef>
+                <a:spcPts val="500"/>
+              </a:spcBef>
+              <a:buFont typeface="Arial" panose="020B0604020202020204" pitchFamily="34" charset="0"/>
+              <a:buChar char="•"/>
+              <a:defRPr sz="1800" kern="1200">
+                <a:solidFill>
+                  <a:schemeClr val="tx1"/>
+                </a:solidFill>
+                <a:latin typeface="Candara" panose="020E0502030303020204" pitchFamily="34" charset="0"/>
+                <a:ea typeface="+mn-ea"/>
+                <a:cs typeface="+mn-cs"/>
+              </a:defRPr>
+            </a:lvl4pPr>
+            <a:lvl5pPr marL="2057400" indent="-228600" algn="l" defTabSz="914400" rtl="0" eaLnBrk="1" latinLnBrk="0" hangingPunct="1">
+              <a:lnSpc>
+                <a:spcPct val="90000"/>
+              </a:lnSpc>
+              <a:spcBef>
+                <a:spcPts val="500"/>
+              </a:spcBef>
+              <a:buFont typeface="Arial" panose="020B0604020202020204" pitchFamily="34" charset="0"/>
+              <a:buChar char="•"/>
+              <a:defRPr sz="1800" kern="1200">
+                <a:solidFill>
+                  <a:schemeClr val="tx1"/>
+                </a:solidFill>
+                <a:latin typeface="Candara" panose="020E0502030303020204" pitchFamily="34" charset="0"/>
+                <a:ea typeface="+mn-ea"/>
+                <a:cs typeface="+mn-cs"/>
+              </a:defRPr>
+            </a:lvl5pPr>
+            <a:lvl6pPr marL="2514600" indent="-228600" algn="l" defTabSz="914400" rtl="0" eaLnBrk="1" latinLnBrk="0" hangingPunct="1">
+              <a:lnSpc>
+                <a:spcPct val="90000"/>
+              </a:lnSpc>
+              <a:spcBef>
+                <a:spcPts val="500"/>
+              </a:spcBef>
+              <a:buFont typeface="Arial" panose="020B0604020202020204" pitchFamily="34" charset="0"/>
+              <a:buChar char="•"/>
+              <a:defRPr sz="1800" kern="1200">
+                <a:solidFill>
+                  <a:schemeClr val="tx1"/>
+                </a:solidFill>
+                <a:latin typeface="+mn-lt"/>
+                <a:ea typeface="+mn-ea"/>
+                <a:cs typeface="+mn-cs"/>
+              </a:defRPr>
+            </a:lvl6pPr>
+            <a:lvl7pPr marL="2971800" indent="-228600" algn="l" defTabSz="914400" rtl="0" eaLnBrk="1" latinLnBrk="0" hangingPunct="1">
+              <a:lnSpc>
+                <a:spcPct val="90000"/>
+              </a:lnSpc>
+              <a:spcBef>
+                <a:spcPts val="500"/>
+              </a:spcBef>
+              <a:buFont typeface="Arial" panose="020B0604020202020204" pitchFamily="34" charset="0"/>
+              <a:buChar char="•"/>
+              <a:defRPr sz="1800" kern="1200">
+                <a:solidFill>
+                  <a:schemeClr val="tx1"/>
+                </a:solidFill>
+                <a:latin typeface="+mn-lt"/>
+                <a:ea typeface="+mn-ea"/>
+                <a:cs typeface="+mn-cs"/>
+              </a:defRPr>
+            </a:lvl7pPr>
+            <a:lvl8pPr marL="3429000" indent="-228600" algn="l" defTabSz="914400" rtl="0" eaLnBrk="1" latinLnBrk="0" hangingPunct="1">
+              <a:lnSpc>
+                <a:spcPct val="90000"/>
+              </a:lnSpc>
+              <a:spcBef>
+                <a:spcPts val="500"/>
+              </a:spcBef>
+              <a:buFont typeface="Arial" panose="020B0604020202020204" pitchFamily="34" charset="0"/>
+              <a:buChar char="•"/>
+              <a:defRPr sz="1800" kern="1200">
+                <a:solidFill>
+                  <a:schemeClr val="tx1"/>
+                </a:solidFill>
+                <a:latin typeface="+mn-lt"/>
+                <a:ea typeface="+mn-ea"/>
+                <a:cs typeface="+mn-cs"/>
+              </a:defRPr>
+            </a:lvl8pPr>
+            <a:lvl9pPr marL="3886200" indent="-228600" algn="l" defTabSz="914400" rtl="0" eaLnBrk="1" latinLnBrk="0" hangingPunct="1">
+              <a:lnSpc>
+                <a:spcPct val="90000"/>
+              </a:lnSpc>
+              <a:spcBef>
+                <a:spcPts val="500"/>
+              </a:spcBef>
+              <a:buFont typeface="Arial" panose="020B0604020202020204" pitchFamily="34" charset="0"/>
+              <a:buChar char="•"/>
+              <a:defRPr sz="1800" kern="1200">
+                <a:solidFill>
+                  <a:schemeClr val="tx1"/>
+                </a:solidFill>
+                <a:latin typeface="+mn-lt"/>
+                <a:ea typeface="+mn-ea"/>
+                <a:cs typeface="+mn-cs"/>
+              </a:defRPr>
+            </a:lvl9pPr>
+          </a:lstStyle>
+          <a:p>
+            <a:pPr>
+              <a:spcBef>
+                <a:spcPts val="1200"/>
+              </a:spcBef>
+              <a:spcAft>
+                <a:spcPts val="600"/>
+              </a:spcAft>
+            </a:pPr>
+            <a:r>
+              <a:rPr lang="en-US" sz="2100" dirty="0"/>
+              <a:t>Benefits:</a:t>
+            </a:r>
+          </a:p>
+          <a:p>
+            <a:pPr lvl="1">
+              <a:spcBef>
+                <a:spcPts val="1200"/>
+              </a:spcBef>
+              <a:spcAft>
+                <a:spcPts val="600"/>
+              </a:spcAft>
+            </a:pPr>
+            <a:r>
+              <a:rPr lang="en-US" sz="1700" dirty="0"/>
+              <a:t>scalability and flexibility</a:t>
+            </a:r>
+          </a:p>
+          <a:p>
+            <a:pPr lvl="1">
+              <a:spcBef>
+                <a:spcPts val="1200"/>
+              </a:spcBef>
+              <a:spcAft>
+                <a:spcPts val="600"/>
+              </a:spcAft>
+            </a:pPr>
+            <a:r>
+              <a:rPr lang="en-US" sz="1700" dirty="0"/>
+              <a:t>automated deployment and rolling updates</a:t>
+            </a:r>
+          </a:p>
+          <a:p>
+            <a:pPr lvl="1">
+              <a:spcBef>
+                <a:spcPts val="1200"/>
+              </a:spcBef>
+              <a:spcAft>
+                <a:spcPts val="600"/>
+              </a:spcAft>
+            </a:pPr>
+            <a:r>
+              <a:rPr lang="en-US" sz="1700" dirty="0"/>
+              <a:t>self-healing and fault tolerance</a:t>
+            </a:r>
+          </a:p>
+          <a:p>
+            <a:pPr lvl="1">
+              <a:spcBef>
+                <a:spcPts val="1200"/>
+              </a:spcBef>
+              <a:spcAft>
+                <a:spcPts val="600"/>
+              </a:spcAft>
+            </a:pPr>
+            <a:r>
+              <a:rPr lang="en-US" sz="1700" dirty="0"/>
+              <a:t>efficient resource utilization</a:t>
+            </a:r>
+          </a:p>
+          <a:p>
+            <a:pPr lvl="1">
+              <a:spcBef>
+                <a:spcPts val="1200"/>
+              </a:spcBef>
+              <a:spcAft>
+                <a:spcPts val="600"/>
+              </a:spcAft>
+            </a:pPr>
+            <a:r>
+              <a:rPr lang="en-US" sz="1700" dirty="0"/>
+              <a:t>platform-agnostic, multi-cloud support</a:t>
+            </a:r>
+          </a:p>
+        </p:txBody>
+      </p:sp>
+    </p:spTree>
+    <p:extLst>
+      <p:ext uri="{BB962C8B-B14F-4D97-AF65-F5344CB8AC3E}">
+        <p14:creationId xmlns:p14="http://schemas.microsoft.com/office/powerpoint/2010/main" val="1867299994"/>
+      </p:ext>
+    </p:extLst>
+  </p:cSld>
+  <p:clrMapOvr>
+    <a:masterClrMapping/>
+  </p:clrMapOvr>
+</p:sld>
+</file>
+
+<file path=ppt/slides/slide15.xml><?xml version="1.0" encoding="utf-8"?>
+<p:sld xmlns:a="http://schemas.openxmlformats.org/drawingml/2006/main" xmlns:r="http://schemas.openxmlformats.org/officeDocument/2006/relationships" xmlns:p="http://schemas.openxmlformats.org/presentationml/2006/main">
+  <p:cSld>
+    <p:spTree>
+      <p:nvGrpSpPr>
+        <p:cNvPr id="1" name=""/>
+        <p:cNvGrpSpPr/>
+        <p:nvPr/>
+      </p:nvGrpSpPr>
+      <p:grpSpPr>
+        <a:xfrm>
+          <a:off x="0" y="0"/>
+          <a:ext cx="0" cy="0"/>
+          <a:chOff x="0" y="0"/>
+          <a:chExt cx="0" cy="0"/>
+        </a:xfrm>
+      </p:grpSpPr>
+      <p:sp>
+        <p:nvSpPr>
+          <p:cNvPr id="2" name="Title 1"/>
+          <p:cNvSpPr>
+            <a:spLocks noGrp="1"/>
+          </p:cNvSpPr>
+          <p:nvPr>
+            <p:ph type="title"/>
+          </p:nvPr>
+        </p:nvSpPr>
+        <p:spPr/>
+        <p:txBody>
+          <a:bodyPr/>
+          <a:lstStyle/>
+          <a:p>
+            <a:r>
+              <a:rPr lang="en-US" dirty="0"/>
+              <a:t>Digital Ocean: A Cloud Provider for Students</a:t>
+            </a:r>
+          </a:p>
+        </p:txBody>
+      </p:sp>
+      <p:sp>
+        <p:nvSpPr>
+          <p:cNvPr id="3" name="Content Placeholder 2"/>
+          <p:cNvSpPr>
+            <a:spLocks noGrp="1"/>
+          </p:cNvSpPr>
+          <p:nvPr>
+            <p:ph idx="1"/>
+          </p:nvPr>
+        </p:nvSpPr>
+        <p:spPr/>
+        <p:txBody>
+          <a:bodyPr/>
+          <a:lstStyle/>
+          <a:p>
+            <a:r>
+              <a:rPr lang="en-US" dirty="0"/>
+              <a:t>Why Digital Ocean is a great option for student projects and </a:t>
+            </a:r>
+            <a:r>
+              <a:rPr lang="en-US" dirty="0" smtClean="0"/>
+              <a:t>deployments:</a:t>
+            </a:r>
+          </a:p>
+          <a:p>
+            <a:pPr lvl="1"/>
+            <a:r>
+              <a:rPr lang="en-US" dirty="0"/>
+              <a:t>Affordable pricing</a:t>
+            </a:r>
+          </a:p>
+          <a:p>
+            <a:pPr lvl="1"/>
+            <a:r>
+              <a:rPr lang="en-US" dirty="0"/>
+              <a:t>Easy to use and manage</a:t>
+            </a:r>
+          </a:p>
+          <a:p>
+            <a:pPr lvl="1"/>
+            <a:r>
+              <a:rPr lang="en-US" dirty="0"/>
+              <a:t>Scalable resources</a:t>
+            </a:r>
+          </a:p>
+          <a:p>
+            <a:pPr lvl="1"/>
+            <a:r>
+              <a:rPr lang="en-US" dirty="0"/>
+              <a:t>High-performance </a:t>
+            </a:r>
+            <a:r>
+              <a:rPr lang="en-US" dirty="0" smtClean="0"/>
+              <a:t>infrastructure</a:t>
+            </a:r>
+          </a:p>
+          <a:p>
+            <a:pPr lvl="1"/>
+            <a:r>
+              <a:rPr lang="en-US" dirty="0"/>
+              <a:t>Seamless integration with GitHub for automated deployments</a:t>
+            </a:r>
+          </a:p>
+          <a:p>
+            <a:pPr lvl="1"/>
+            <a:r>
+              <a:rPr lang="en-US" dirty="0"/>
+              <a:t>Easy setup and management of deployment workflows</a:t>
+            </a:r>
+          </a:p>
+        </p:txBody>
+      </p:sp>
+      <p:sp>
+        <p:nvSpPr>
+          <p:cNvPr id="4" name="Slide Number Placeholder 3"/>
+          <p:cNvSpPr>
+            <a:spLocks noGrp="1"/>
+          </p:cNvSpPr>
+          <p:nvPr>
+            <p:ph type="sldNum" sz="quarter" idx="12"/>
+          </p:nvPr>
+        </p:nvSpPr>
+        <p:spPr/>
+        <p:txBody>
+          <a:bodyPr/>
+          <a:lstStyle/>
+          <a:p>
+            <a:fld id="{B8DACC02-A2BD-4578-8E03-6D891060A695}" type="slidenum">
+              <a:rPr lang="en-US" smtClean="0"/>
+              <a:pPr/>
+              <a:t>15</a:t>
+            </a:fld>
+            <a:endParaRPr lang="en-US" dirty="0"/>
+          </a:p>
+        </p:txBody>
+      </p:sp>
+      <p:pic>
+        <p:nvPicPr>
+          <p:cNvPr id="3074" name="Picture 2" descr="DigitalOcean - Wikipedia"/>
+          <p:cNvPicPr>
+            <a:picLocks noChangeAspect="1" noChangeArrowheads="1"/>
+          </p:cNvPicPr>
+          <p:nvPr/>
+        </p:nvPicPr>
+        <p:blipFill>
+          <a:blip r:embed="rId2" cstate="print">
+            <a:extLst>
+              <a:ext uri="{28A0092B-C50C-407E-A947-70E740481C1C}">
+                <a14:useLocalDpi xmlns:a14="http://schemas.microsoft.com/office/drawing/2010/main" val="0"/>
+              </a:ext>
+            </a:extLst>
+          </a:blip>
+          <a:srcRect/>
+          <a:stretch>
+            <a:fillRect/>
+          </a:stretch>
+        </p:blipFill>
+        <p:spPr bwMode="auto">
+          <a:xfrm>
+            <a:off x="7973309" y="3523531"/>
+            <a:ext cx="3334469" cy="3334469"/>
+          </a:xfrm>
+          <a:prstGeom prst="rect">
+            <a:avLst/>
+          </a:prstGeom>
+          <a:noFill/>
+          <a:extLst>
+            <a:ext uri="{909E8E84-426E-40DD-AFC4-6F175D3DCCD1}">
+              <a14:hiddenFill xmlns:a14="http://schemas.microsoft.com/office/drawing/2010/main">
+                <a:solidFill>
+                  <a:srgbClr val="FFFFFF"/>
+                </a:solidFill>
+              </a14:hiddenFill>
+            </a:ext>
+          </a:extLst>
+        </p:spPr>
+      </p:pic>
+    </p:spTree>
+    <p:extLst>
+      <p:ext uri="{BB962C8B-B14F-4D97-AF65-F5344CB8AC3E}">
+        <p14:creationId xmlns:p14="http://schemas.microsoft.com/office/powerpoint/2010/main" val="1261736502"/>
+      </p:ext>
+    </p:extLst>
+  </p:cSld>
+  <p:clrMapOvr>
+    <a:masterClrMapping/>
+  </p:clrMapOvr>
+</p:sld>
+</file>
+
+<file path=ppt/slides/slide16.xml><?xml version="1.0" encoding="utf-8"?>
+<p:sld xmlns:a="http://schemas.openxmlformats.org/drawingml/2006/main" xmlns:r="http://schemas.openxmlformats.org/officeDocument/2006/relationships" xmlns:p="http://schemas.openxmlformats.org/presentationml/2006/main">
+  <p:cSld>
+    <p:spTree>
+      <p:nvGrpSpPr>
+        <p:cNvPr id="1" name=""/>
+        <p:cNvGrpSpPr/>
+        <p:nvPr/>
+      </p:nvGrpSpPr>
+      <p:grpSpPr>
+        <a:xfrm>
+          <a:off x="0" y="0"/>
+          <a:ext cx="0" cy="0"/>
+          <a:chOff x="0" y="0"/>
+          <a:chExt cx="0" cy="0"/>
+        </a:xfrm>
+      </p:grpSpPr>
+      <p:sp>
+        <p:nvSpPr>
+          <p:cNvPr id="2" name="Title 1"/>
+          <p:cNvSpPr>
+            <a:spLocks noGrp="1"/>
+          </p:cNvSpPr>
+          <p:nvPr>
+            <p:ph type="title"/>
+          </p:nvPr>
+        </p:nvSpPr>
+        <p:spPr/>
+        <p:txBody>
+          <a:bodyPr/>
+          <a:lstStyle/>
+          <a:p>
+            <a:r>
+              <a:rPr lang="en-US" dirty="0"/>
+              <a:t>GitHub Integration: Streamlining Deployment</a:t>
+            </a:r>
+          </a:p>
+        </p:txBody>
+      </p:sp>
+      <p:sp>
+        <p:nvSpPr>
+          <p:cNvPr id="3" name="Content Placeholder 2"/>
+          <p:cNvSpPr>
+            <a:spLocks noGrp="1"/>
+          </p:cNvSpPr>
+          <p:nvPr>
+            <p:ph idx="1"/>
+          </p:nvPr>
+        </p:nvSpPr>
+        <p:spPr/>
+        <p:txBody>
+          <a:bodyPr/>
+          <a:lstStyle/>
+          <a:p>
+            <a:r>
+              <a:rPr lang="en-US" dirty="0"/>
+              <a:t>Benefits of GitHub integration:</a:t>
+            </a:r>
+          </a:p>
+          <a:p>
+            <a:pPr lvl="1"/>
+            <a:r>
+              <a:rPr lang="en-US" dirty="0"/>
+              <a:t>Automated deployments</a:t>
+            </a:r>
+          </a:p>
+          <a:p>
+            <a:pPr lvl="1"/>
+            <a:r>
+              <a:rPr lang="en-US" dirty="0"/>
+              <a:t>Version control for deployment scripts</a:t>
+            </a:r>
+          </a:p>
+          <a:p>
+            <a:pPr lvl="1"/>
+            <a:r>
+              <a:rPr lang="en-US" dirty="0"/>
+              <a:t>Collaboration and access control</a:t>
+            </a:r>
+          </a:p>
+          <a:p>
+            <a:pPr lvl="1"/>
+            <a:r>
+              <a:rPr lang="en-US" dirty="0"/>
+              <a:t>Continuous integration and delivery</a:t>
+            </a:r>
+          </a:p>
+        </p:txBody>
+      </p:sp>
+      <p:sp>
+        <p:nvSpPr>
+          <p:cNvPr id="4" name="Slide Number Placeholder 3"/>
+          <p:cNvSpPr>
+            <a:spLocks noGrp="1"/>
+          </p:cNvSpPr>
+          <p:nvPr>
+            <p:ph type="sldNum" sz="quarter" idx="12"/>
+          </p:nvPr>
+        </p:nvSpPr>
+        <p:spPr/>
+        <p:txBody>
+          <a:bodyPr/>
+          <a:lstStyle/>
+          <a:p>
+            <a:fld id="{B8DACC02-A2BD-4578-8E03-6D891060A695}" type="slidenum">
+              <a:rPr lang="en-US" smtClean="0"/>
+              <a:pPr/>
+              <a:t>16</a:t>
             </a:fld>
             <a:endParaRPr lang="en-US" dirty="0"/>
           </a:p>
@@ -5232,7 +6698,6 @@
               <a:rPr lang="en-US" dirty="0"/>
               <a:t>involves hosting the software on a server, configuring the environment, and making sure it's accessible to the users.</a:t>
             </a:r>
-            <a:endParaRPr lang="en-US" dirty="0"/>
           </a:p>
         </p:txBody>
       </p:sp>
